--- a/Relational Database Management Project (1).pptx
+++ b/Relational Database Management Project (1).pptx
@@ -278,7 +278,7 @@
   </p:defaultTextStyle>
   <p:extLst>
     <p:ext uri="{EFAFB233-063F-42B5-8137-9DF3F51BA10A}">
-      <p15:sldGuideLst xmlns:ahyp="http://schemas.microsoft.com/office/drawing/2018/hyperlinkcolor" xmlns:p15="http://schemas.microsoft.com/office/powerpoint/2012/main" xmlns:p14="http://schemas.microsoft.com/office/powerpoint/2010/main" xmlns:com="http://schemas.openxmlformats.org/drawingml/2006/compatibility" xmlns:pvml="urn:schemas-microsoft-com:office:powerpoint" xmlns:v="urn:schemas-microsoft-com:vml" xmlns:o="urn:schemas-microsoft-com:office:office" xmlns:dgm="http://schemas.openxmlformats.org/drawingml/2006/diagram" xmlns:c="http://schemas.openxmlformats.org/drawingml/2006/chart" xmlns:mv="urn:schemas-microsoft-com:mac:vml" xmlns:mc="http://schemas.openxmlformats.org/markup-compatibility/2006" xmlns="">
+      <p15:sldGuideLst xmlns="" xmlns:mc="http://schemas.openxmlformats.org/markup-compatibility/2006" xmlns:mv="urn:schemas-microsoft-com:mac:vml" xmlns:c="http://schemas.openxmlformats.org/drawingml/2006/chart" xmlns:dgm="http://schemas.openxmlformats.org/drawingml/2006/diagram" xmlns:o="urn:schemas-microsoft-com:office:office" xmlns:v="urn:schemas-microsoft-com:vml" xmlns:pvml="urn:schemas-microsoft-com:office:powerpoint" xmlns:com="http://schemas.openxmlformats.org/drawingml/2006/compatibility" xmlns:p14="http://schemas.microsoft.com/office/powerpoint/2010/main" xmlns:p15="http://schemas.microsoft.com/office/powerpoint/2012/main" xmlns:ahyp="http://schemas.microsoft.com/office/drawing/2018/hyperlinkcolor">
         <p15:guide id="1" orient="horz" pos="1620">
           <p15:clr>
             <a:srgbClr val="747775"/>
@@ -8149,7 +8149,7 @@
             <a:r>
               <a:rPr lang="en" sz="1800" b="1" dirty="0" smtClean="0">
                 <a:solidFill>
-                  <a:schemeClr val="accent1"/>
+                  <a:schemeClr val="tx1"/>
                 </a:solidFill>
                 <a:highlight>
                   <a:schemeClr val="lt1"/>
@@ -8163,7 +8163,7 @@
             </a:r>
             <a:endParaRPr sz="1800" b="1">
               <a:solidFill>
-                <a:schemeClr val="accent1"/>
+                <a:schemeClr val="tx1"/>
               </a:solidFill>
               <a:highlight>
                 <a:schemeClr val="lt1"/>
@@ -8431,13 +8431,8 @@
             </a:pPr>
             <a:r>
               <a:rPr lang="en-US" sz="1600" b="1" dirty="0" smtClean="0"/>
-              <a:t>Relational </a:t>
-            </a:r>
-            <a:r>
-              <a:rPr lang="en-US" sz="1600" b="1" dirty="0" smtClean="0"/>
-              <a:t>Databases</a:t>
-            </a:r>
-            <a:endParaRPr lang="en-US" sz="1600" b="1" dirty="0" smtClean="0"/>
+              <a:t>Relational Databases</a:t>
+            </a:r>
           </a:p>
           <a:p>
             <a:pPr lvl="0"/>
@@ -8502,13 +8497,8 @@
             </a:pPr>
             <a:r>
               <a:rPr lang="en-US" sz="1500" b="1" dirty="0" smtClean="0"/>
-              <a:t>Non-Relational </a:t>
-            </a:r>
-            <a:r>
-              <a:rPr lang="en-US" sz="1500" b="1" dirty="0" smtClean="0"/>
-              <a:t>Databases</a:t>
-            </a:r>
-            <a:endParaRPr lang="en-US" sz="1500" b="1" dirty="0" smtClean="0"/>
+              <a:t>Non-Relational Databases</a:t>
+            </a:r>
           </a:p>
           <a:p>
             <a:pPr lvl="0"/>
@@ -8620,11 +8610,7 @@
             </a:br>
             <a:r>
               <a:rPr lang="en-US" sz="1800" dirty="0" smtClean="0"/>
-              <a:t>Choosing </a:t>
-            </a:r>
-            <a:r>
-              <a:rPr lang="en-US" sz="1800" dirty="0" smtClean="0"/>
-              <a:t>between </a:t>
+              <a:t>Choosing between </a:t>
             </a:r>
             <a:r>
               <a:rPr lang="en-US" sz="1800" b="1" dirty="0" smtClean="0"/>
@@ -8771,20 +8757,7 @@
                 <a:ea typeface="Calibri" pitchFamily="34" charset="0"/>
                 <a:cs typeface="Calibri" pitchFamily="34" charset="0"/>
               </a:rPr>
-              <a:t>IBM</a:t>
-            </a:r>
-            <a:r>
-              <a:rPr lang="en-US" dirty="0" smtClean="0">
-                <a:solidFill>
-                  <a:schemeClr val="bg1">
-                    <a:lumMod val="75000"/>
-                  </a:schemeClr>
-                </a:solidFill>
-                <a:latin typeface="Calibri" pitchFamily="34" charset="0"/>
-                <a:ea typeface="Calibri" pitchFamily="34" charset="0"/>
-                <a:cs typeface="Calibri" pitchFamily="34" charset="0"/>
-              </a:rPr>
-              <a:t>: Relational </a:t>
+              <a:t>IBM: Relational </a:t>
             </a:r>
             <a:r>
               <a:rPr lang="en-US" dirty="0" err="1" smtClean="0">
@@ -8861,7 +8834,7 @@
                 <a:hlinkClick r:id="rId2">
                   <a:extLst>
                     <a:ext uri="{A12FA001-AC4F-418D-AE19-62706E023703}">
-                      <ahyp:hlinkClr xmlns="" xmlns:mc="http://schemas.openxmlformats.org/markup-compatibility/2006" xmlns:mv="urn:schemas-microsoft-com:mac:vml" xmlns:c="http://schemas.openxmlformats.org/drawingml/2006/chart" xmlns:dgm="http://schemas.openxmlformats.org/drawingml/2006/diagram" xmlns:o="urn:schemas-microsoft-com:office:office" xmlns:v="urn:schemas-microsoft-com:vml" xmlns:pvml="urn:schemas-microsoft-com:office:powerpoint" xmlns:com="http://schemas.openxmlformats.org/drawingml/2006/compatibility" xmlns:p14="http://schemas.microsoft.com/office/powerpoint/2010/main" xmlns:p15="http://schemas.microsoft.com/office/powerpoint/2012/main" xmlns:ahyp="http://schemas.microsoft.com/office/drawing/2018/hyperlinkcolor" xmlns:lc="http://schemas.openxmlformats.org/drawingml/2006/lockedCanvas" val="tx"/>
+                      <ahyp:hlinkClr xmlns:lc="http://schemas.openxmlformats.org/drawingml/2006/lockedCanvas" xmlns:ahyp="http://schemas.microsoft.com/office/drawing/2018/hyperlinkcolor" xmlns:p15="http://schemas.microsoft.com/office/powerpoint/2012/main" xmlns:p14="http://schemas.microsoft.com/office/powerpoint/2010/main" xmlns:com="http://schemas.openxmlformats.org/drawingml/2006/compatibility" xmlns:pvml="urn:schemas-microsoft-com:office:powerpoint" xmlns:v="urn:schemas-microsoft-com:vml" xmlns:o="urn:schemas-microsoft-com:office:office" xmlns:dgm="http://schemas.openxmlformats.org/drawingml/2006/diagram" xmlns:c="http://schemas.openxmlformats.org/drawingml/2006/chart" xmlns:mv="urn:schemas-microsoft-com:mac:vml" xmlns:mc="http://schemas.openxmlformats.org/markup-compatibility/2006" xmlns="" val="tx"/>
                     </a:ext>
                   </a:extLst>
                 </a:hlinkClick>
@@ -9449,29 +9422,16 @@
             </a:pPr>
             <a:r>
               <a:rPr lang="en-US" sz="2100" dirty="0" smtClean="0"/>
-              <a:t>A database is an organized collection of </a:t>
-            </a:r>
+              <a:t>A database is an organized collection of structured and unstructured information, or data, typically stored electronically in a computer system. </a:t>
+            </a:r>
+          </a:p>
+          <a:p>
+            <a:pPr algn="ctr">
+              <a:buNone/>
+            </a:pPr>
             <a:r>
               <a:rPr lang="en-US" sz="2100" dirty="0" smtClean="0"/>
-              <a:t>structured and unstructured </a:t>
-            </a:r>
-            <a:r>
-              <a:rPr lang="en-US" sz="2100" dirty="0" smtClean="0"/>
-              <a:t>information, or data, typically stored electronically in a computer system. </a:t>
-            </a:r>
-            <a:endParaRPr lang="en-US" sz="2100" dirty="0" smtClean="0"/>
-          </a:p>
-          <a:p>
-            <a:pPr algn="ctr">
-              <a:buNone/>
-            </a:pPr>
-            <a:r>
-              <a:rPr lang="en-US" sz="2100" dirty="0" smtClean="0"/>
-              <a:t>A </a:t>
-            </a:r>
-            <a:r>
-              <a:rPr lang="en-US" sz="2100" dirty="0" smtClean="0"/>
-              <a:t>database is usually controlled by a </a:t>
+              <a:t>A database is usually controlled by a </a:t>
             </a:r>
             <a:r>
               <a:rPr lang="en-US" sz="2100" dirty="0" smtClean="0">
@@ -9632,23 +9592,14 @@
             </a:r>
             <a:r>
               <a:rPr lang="en-US" sz="1800" dirty="0" smtClean="0"/>
-              <a:t>A database that stores data in a structured format, using tables, rows, and </a:t>
-            </a:r>
-            <a:r>
-              <a:rPr lang="en-US" sz="1800" dirty="0" smtClean="0"/>
-              <a:t>columns.</a:t>
+              <a:t>A database that stores data in a structured format, using tables, rows, and columns.</a:t>
             </a:r>
           </a:p>
           <a:p>
             <a:r>
               <a:rPr lang="en-US" sz="1800" b="1" dirty="0" smtClean="0"/>
-              <a:t>Characteristics</a:t>
-            </a:r>
-            <a:r>
-              <a:rPr lang="en-US" sz="1800" b="1" dirty="0" smtClean="0"/>
-              <a:t>: </a:t>
-            </a:r>
-            <a:endParaRPr lang="en-US" sz="1800" b="1" dirty="0" smtClean="0"/>
+              <a:t>Characteristics: </a:t>
+            </a:r>
           </a:p>
           <a:p>
             <a:pPr marL="546100" indent="-400050">
@@ -9657,11 +9608,7 @@
             </a:pPr>
             <a:r>
               <a:rPr lang="en-US" sz="1800" dirty="0" smtClean="0"/>
-              <a:t>Data </a:t>
-            </a:r>
-            <a:r>
-              <a:rPr lang="en-US" sz="1800" dirty="0" smtClean="0"/>
-              <a:t>normalization</a:t>
+              <a:t>Data normalization</a:t>
             </a:r>
           </a:p>
           <a:p>
@@ -9800,7 +9747,6 @@
               <a:rPr lang="en-US" sz="1800" dirty="0" smtClean="0"/>
               <a:t>A database that stores data in a flexible format, using key-value pairs, documents, or graphs. </a:t>
             </a:r>
-            <a:endParaRPr lang="en-US" sz="1800" dirty="0" smtClean="0"/>
           </a:p>
           <a:p>
             <a:r>
@@ -9811,7 +9757,6 @@
               <a:rPr lang="en-US" sz="1800" dirty="0" smtClean="0"/>
               <a:t>: </a:t>
             </a:r>
-            <a:endParaRPr lang="en-US" sz="1800" dirty="0" smtClean="0"/>
           </a:p>
           <a:p>
             <a:pPr marL="546100" indent="-400050">
@@ -9820,11 +9765,7 @@
             </a:pPr>
             <a:r>
               <a:rPr lang="en-US" sz="1800" dirty="0" smtClean="0"/>
-              <a:t>No </a:t>
-            </a:r>
-            <a:r>
-              <a:rPr lang="en-US" sz="1800" dirty="0" smtClean="0"/>
-              <a:t>fixed schema</a:t>
+              <a:t>No fixed schema</a:t>
             </a:r>
           </a:p>
           <a:p>
@@ -10047,11 +9988,7 @@
             </a:pPr>
             <a:r>
               <a:rPr lang="en-US" sz="1800" dirty="0" smtClean="0"/>
-              <a:t>       Use </a:t>
-            </a:r>
-            <a:r>
-              <a:rPr lang="en-US" sz="1800" dirty="0" smtClean="0"/>
-              <a:t>a structured format to store data in tables with rows and columns. Each table represents a different entity, and relationships between tables are defined through foreign keys.</a:t>
+              <a:t>       Use a structured format to store data in tables with rows and columns. Each table represents a different entity, and relationships between tables are defined through foreign keys.</a:t>
             </a:r>
           </a:p>
           <a:p>
@@ -10103,15 +10040,7 @@
             </a:pPr>
             <a:r>
               <a:rPr lang="en-US" sz="1800" dirty="0" smtClean="0"/>
-              <a:t> </a:t>
-            </a:r>
-            <a:r>
-              <a:rPr lang="en-US" sz="1800" dirty="0" smtClean="0"/>
-              <a:t>       NoSQL </a:t>
-            </a:r>
-            <a:r>
-              <a:rPr lang="en-US" sz="1800" dirty="0" smtClean="0"/>
-              <a:t>databases, store data in a variety of formats (e.g., key-value pairs, documents, graphs) and are more flexible with schema design</a:t>
+              <a:t>        NoSQL databases, store data in a variety of formats (e.g., key-value pairs, documents, graphs) and are more flexible with schema design</a:t>
             </a:r>
             <a:r>
               <a:rPr lang="en-US" sz="1400" dirty="0" smtClean="0"/>
@@ -10282,11 +10211,7 @@
             </a:pPr>
             <a:r>
               <a:rPr lang="en-US" sz="1800" b="1" u="sng" dirty="0" smtClean="0"/>
-              <a:t>Advantages of Relational </a:t>
-            </a:r>
-            <a:r>
-              <a:rPr lang="en-US" sz="1800" b="1" u="sng" dirty="0" smtClean="0"/>
-              <a:t>Databases</a:t>
+              <a:t>Advantages of Relational Databases</a:t>
             </a:r>
             <a:endParaRPr lang="en-US" sz="1800" dirty="0" smtClean="0"/>
           </a:p>
@@ -10357,11 +10282,7 @@
             </a:pPr>
             <a:r>
               <a:rPr lang="en-US" sz="1800" b="1" u="sng" dirty="0" smtClean="0"/>
-              <a:t>Advantages of Non-Relational </a:t>
-            </a:r>
-            <a:r>
-              <a:rPr lang="en-US" sz="1800" b="1" u="sng" dirty="0" smtClean="0"/>
-              <a:t>Databases</a:t>
+              <a:t>Advantages of Non-Relational Databases</a:t>
             </a:r>
             <a:endParaRPr lang="en-US" sz="1800" dirty="0" smtClean="0"/>
           </a:p>
@@ -10627,11 +10548,7 @@
             </a:pPr>
             <a:r>
               <a:rPr lang="en-US" sz="1600" b="1" dirty="0" smtClean="0"/>
-              <a:t>Use Cases for Non-Relational </a:t>
-            </a:r>
-            <a:r>
-              <a:rPr lang="en-US" sz="1600" b="1" dirty="0" smtClean="0"/>
-              <a:t>Databases</a:t>
+              <a:t>Use Cases for Non-Relational Databases</a:t>
             </a:r>
             <a:endParaRPr lang="en-US" sz="1600" dirty="0" smtClean="0"/>
           </a:p>
